--- a/PPTs/00 Introduction.pptx
+++ b/PPTs/00 Introduction.pptx
@@ -219,7 +219,7 @@
             <a:fld id="{4991502B-FFA8-47B9-B4E5-980CA415BAFF}" type="datetimeFigureOut">
               <a:rPr lang="en-US" smtClean="0"/>
               <a:pPr/>
-              <a:t>9/3/2017</a:t>
+              <a:t>9/10/2017</a:t>
             </a:fld>
             <a:endParaRPr lang="en-US"/>
           </a:p>
@@ -4895,7 +4895,7 @@
         <p:spPr/>
         <p:txBody>
           <a:bodyPr>
-            <a:normAutofit fontScale="92500" lnSpcReduction="10000"/>
+            <a:normAutofit fontScale="85000" lnSpcReduction="20000"/>
           </a:bodyPr>
           <a:lstStyle/>
           <a:p>
@@ -4920,7 +4920,7 @@
             <a:pPr lvl="1"/>
             <a:r>
               <a:rPr lang="en-US" dirty="0"/>
-              <a:t>Advanced components</a:t>
+              <a:t>Building components</a:t>
             </a:r>
           </a:p>
           <a:p>
@@ -4936,6 +4936,14 @@
               <a:rPr lang="en-US" dirty="0"/>
               <a:t>Dependency Injection</a:t>
             </a:r>
+          </a:p>
+          <a:p>
+            <a:pPr lvl="1"/>
+            <a:r>
+              <a:rPr lang="en-US"/>
+              <a:t>Advanced components</a:t>
+            </a:r>
+            <a:endParaRPr lang="en-US" dirty="0"/>
           </a:p>
           <a:p>
             <a:r>
